--- a/자기소개/자기소개_유승지.pptx
+++ b/자기소개/자기소개_유승지.pptx
@@ -121,7 +121,6 @@
 <p1510:revInfo xmlns:a="http://schemas.openxmlformats.org/drawingml/2006/main" xmlns:r="http://schemas.openxmlformats.org/officeDocument/2006/relationships" xmlns:p1510="http://schemas.microsoft.com/office/powerpoint/2015/10/main">
   <p1510:revLst>
     <p1510:client id="{C907F302-CB97-4CC1-82D6-1D1BD14F2FB1}" v="1160" dt="2022-08-29T05:04:08.140"/>
-    <p1510:client id="{E6F4413F-9BD9-4323-BF23-68A358249B4C}" v="14" dt="2022-08-29T07:53:18.975"/>
   </p1510:revLst>
 </p1510:revInfo>
 </file>
@@ -255,7 +254,7 @@
           <a:p>
             <a:fld id="{2566825D-2B69-4989-8861-A6901ABADB6C}" type="datetimeFigureOut">
               <a:rPr lang="ko-KR" altLang="en-US" smtClean="0"/>
-              <a:t>2022-08-29</a:t>
+              <a:t>2022-08-28</a:t>
             </a:fld>
             <a:endParaRPr lang="ko-KR" altLang="en-US"/>
           </a:p>
@@ -423,7 +422,7 @@
           <a:p>
             <a:fld id="{2566825D-2B69-4989-8861-A6901ABADB6C}" type="datetimeFigureOut">
               <a:rPr lang="ko-KR" altLang="en-US" smtClean="0"/>
-              <a:t>2022-08-29</a:t>
+              <a:t>2022-08-28</a:t>
             </a:fld>
             <a:endParaRPr lang="ko-KR" altLang="en-US"/>
           </a:p>
@@ -601,7 +600,7 @@
           <a:p>
             <a:fld id="{2566825D-2B69-4989-8861-A6901ABADB6C}" type="datetimeFigureOut">
               <a:rPr lang="ko-KR" altLang="en-US" smtClean="0"/>
-              <a:t>2022-08-29</a:t>
+              <a:t>2022-08-28</a:t>
             </a:fld>
             <a:endParaRPr lang="ko-KR" altLang="en-US"/>
           </a:p>
@@ -769,7 +768,7 @@
           <a:p>
             <a:fld id="{2566825D-2B69-4989-8861-A6901ABADB6C}" type="datetimeFigureOut">
               <a:rPr lang="ko-KR" altLang="en-US" smtClean="0"/>
-              <a:t>2022-08-29</a:t>
+              <a:t>2022-08-28</a:t>
             </a:fld>
             <a:endParaRPr lang="ko-KR" altLang="en-US"/>
           </a:p>
@@ -1014,7 +1013,7 @@
           <a:p>
             <a:fld id="{2566825D-2B69-4989-8861-A6901ABADB6C}" type="datetimeFigureOut">
               <a:rPr lang="ko-KR" altLang="en-US" smtClean="0"/>
-              <a:t>2022-08-29</a:t>
+              <a:t>2022-08-28</a:t>
             </a:fld>
             <a:endParaRPr lang="ko-KR" altLang="en-US"/>
           </a:p>
@@ -1243,7 +1242,7 @@
           <a:p>
             <a:fld id="{2566825D-2B69-4989-8861-A6901ABADB6C}" type="datetimeFigureOut">
               <a:rPr lang="ko-KR" altLang="en-US" smtClean="0"/>
-              <a:t>2022-08-29</a:t>
+              <a:t>2022-08-28</a:t>
             </a:fld>
             <a:endParaRPr lang="ko-KR" altLang="en-US"/>
           </a:p>
@@ -1607,7 +1606,7 @@
           <a:p>
             <a:fld id="{2566825D-2B69-4989-8861-A6901ABADB6C}" type="datetimeFigureOut">
               <a:rPr lang="ko-KR" altLang="en-US" smtClean="0"/>
-              <a:t>2022-08-29</a:t>
+              <a:t>2022-08-28</a:t>
             </a:fld>
             <a:endParaRPr lang="ko-KR" altLang="en-US"/>
           </a:p>
@@ -1724,7 +1723,7 @@
           <a:p>
             <a:fld id="{2566825D-2B69-4989-8861-A6901ABADB6C}" type="datetimeFigureOut">
               <a:rPr lang="ko-KR" altLang="en-US" smtClean="0"/>
-              <a:t>2022-08-29</a:t>
+              <a:t>2022-08-28</a:t>
             </a:fld>
             <a:endParaRPr lang="ko-KR" altLang="en-US"/>
           </a:p>
@@ -1819,7 +1818,7 @@
           <a:p>
             <a:fld id="{2566825D-2B69-4989-8861-A6901ABADB6C}" type="datetimeFigureOut">
               <a:rPr lang="ko-KR" altLang="en-US" smtClean="0"/>
-              <a:t>2022-08-29</a:t>
+              <a:t>2022-08-28</a:t>
             </a:fld>
             <a:endParaRPr lang="ko-KR" altLang="en-US"/>
           </a:p>
@@ -2094,7 +2093,7 @@
           <a:p>
             <a:fld id="{2566825D-2B69-4989-8861-A6901ABADB6C}" type="datetimeFigureOut">
               <a:rPr lang="ko-KR" altLang="en-US" smtClean="0"/>
-              <a:t>2022-08-29</a:t>
+              <a:t>2022-08-28</a:t>
             </a:fld>
             <a:endParaRPr lang="ko-KR" altLang="en-US"/>
           </a:p>
@@ -2346,7 +2345,7 @@
           <a:p>
             <a:fld id="{2566825D-2B69-4989-8861-A6901ABADB6C}" type="datetimeFigureOut">
               <a:rPr lang="ko-KR" altLang="en-US" smtClean="0"/>
-              <a:t>2022-08-29</a:t>
+              <a:t>2022-08-28</a:t>
             </a:fld>
             <a:endParaRPr lang="ko-KR" altLang="en-US"/>
           </a:p>
@@ -2557,7 +2556,7 @@
           <a:p>
             <a:fld id="{2566825D-2B69-4989-8861-A6901ABADB6C}" type="datetimeFigureOut">
               <a:rPr lang="ko-KR" altLang="en-US" smtClean="0"/>
-              <a:t>2022-08-29</a:t>
+              <a:t>2022-08-28</a:t>
             </a:fld>
             <a:endParaRPr lang="ko-KR" altLang="en-US"/>
           </a:p>
@@ -2995,14 +2994,14 @@
           <a:p>
             <a:pPr algn="ctr"/>
             <a:r>
-              <a:rPr lang="ko-KR" altLang="en-US" sz="4800" b="1" err="1">
+              <a:rPr lang="ko-KR" altLang="en-US" sz="4800" b="1" dirty="0" err="1">
                 <a:latin typeface="Calibri"/>
                 <a:ea typeface="Malgun Gothic"/>
                 <a:cs typeface="Calibri"/>
               </a:rPr>
               <a:t>자기소개_유승지</a:t>
             </a:r>
-            <a:endParaRPr lang="ko-KR" altLang="en-US" sz="4800" b="1">
+            <a:endParaRPr lang="ko-KR" altLang="en-US" sz="4800" b="1" dirty="0">
               <a:latin typeface="Calibri"/>
               <a:ea typeface="Malgun Gothic"/>
               <a:cs typeface="Calibri"/>
@@ -3084,13 +3083,18 @@
           <a:p>
             <a:pPr algn="l"/>
             <a:r>
-              <a:rPr lang="ko-KR" altLang="en-US" sz="3600" b="1">
+              <a:rPr lang="ko-KR" altLang="en-US" sz="3600" b="1" dirty="0">
                 <a:latin typeface="Calibri"/>
                 <a:ea typeface="맑은 고딕"/>
                 <a:cs typeface="Calibri"/>
               </a:rPr>
               <a:t>01.</a:t>
             </a:r>
+            <a:endParaRPr lang="ko-KR" altLang="en-US" sz="3600" b="1">
+              <a:latin typeface="Calibri"/>
+              <a:ea typeface="맑은 고딕"/>
+              <a:cs typeface="Calibri"/>
+            </a:endParaRPr>
           </a:p>
         </p:txBody>
       </p:sp>
@@ -3198,7 +3202,7 @@
           <a:p>
             <a:pPr algn="l"/>
             <a:r>
-              <a:rPr lang="ko-KR" altLang="en-US" sz="3600" b="1">
+              <a:rPr lang="ko-KR" altLang="en-US" sz="3600" b="1" dirty="0">
                 <a:latin typeface="Calibri"/>
                 <a:ea typeface="맑은 고딕"/>
                 <a:cs typeface="Calibri"/>
@@ -3241,7 +3245,7 @@
           <a:p>
             <a:pPr algn="l"/>
             <a:r>
-              <a:rPr lang="ko-KR" altLang="en-US" sz="2400" b="1">
+              <a:rPr lang="ko-KR" altLang="en-US" sz="2400" b="1" dirty="0">
                 <a:latin typeface="Calibri"/>
                 <a:ea typeface="맑은 고딕"/>
                 <a:cs typeface="Calibri"/>
@@ -3266,9 +3270,9 @@
         <p:grpSpPr>
           <a:xfrm>
             <a:off x="1461052" y="2156791"/>
-            <a:ext cx="8771328" cy="3150264"/>
+            <a:ext cx="8771328" cy="3094423"/>
             <a:chOff x="359465" y="1328530"/>
-            <a:chExt cx="8771328" cy="3150264"/>
+            <a:chExt cx="8771328" cy="3094423"/>
           </a:xfrm>
         </p:grpSpPr>
         <p:pic>
@@ -3333,7 +3337,7 @@
             <a:p>
               <a:pPr algn="l"/>
               <a:r>
-                <a:rPr lang="ko-KR" altLang="en-US" sz="2400" b="1" err="1">
+                <a:rPr lang="ko-KR" altLang="en-US" sz="2400" b="1" dirty="0" err="1">
                   <a:latin typeface="Calibri"/>
                   <a:ea typeface="맑은 고딕"/>
                   <a:cs typeface="Calibri"/>
@@ -3341,7 +3345,7 @@
                 <a:t>Name</a:t>
               </a:r>
               <a:r>
-                <a:rPr lang="ko-KR" altLang="en-US" sz="2400" b="1">
+                <a:rPr lang="ko-KR" altLang="en-US" sz="2400" b="1" dirty="0">
                   <a:latin typeface="Calibri"/>
                   <a:ea typeface="맑은 고딕"/>
                   <a:cs typeface="Calibri"/>
@@ -3383,7 +3387,7 @@
             <a:lstStyle/>
             <a:p>
               <a:r>
-                <a:rPr lang="ko-KR" altLang="en-US" sz="2400" b="1" err="1">
+                <a:rPr lang="ko-KR" altLang="en-US" sz="2400" b="1" dirty="0" err="1">
                   <a:latin typeface="Calibri"/>
                   <a:ea typeface="맑은 고딕"/>
                   <a:cs typeface="Calibri"/>
@@ -3391,7 +3395,7 @@
                 <a:t>Date</a:t>
               </a:r>
               <a:r>
-                <a:rPr lang="ko-KR" altLang="en-US" sz="2400" b="1">
+                <a:rPr lang="ko-KR" altLang="en-US" sz="2400" b="1" dirty="0">
                   <a:latin typeface="Calibri"/>
                   <a:ea typeface="맑은 고딕"/>
                   <a:cs typeface="Calibri"/>
@@ -3399,7 +3403,7 @@
                 <a:t> of </a:t>
               </a:r>
               <a:r>
-                <a:rPr lang="ko-KR" altLang="en-US" sz="2400" b="1" err="1">
+                <a:rPr lang="ko-KR" altLang="en-US" sz="2400" b="1" dirty="0" err="1">
                   <a:latin typeface="Calibri"/>
                   <a:ea typeface="맑은 고딕"/>
                   <a:cs typeface="Calibri"/>
@@ -3407,7 +3411,7 @@
                 <a:t>Birth</a:t>
               </a:r>
               <a:r>
-                <a:rPr lang="ko-KR" altLang="en-US" sz="2400" b="1">
+                <a:rPr lang="ko-KR" altLang="en-US" sz="2400" b="1" dirty="0">
                   <a:latin typeface="Calibri"/>
                   <a:ea typeface="맑은 고딕"/>
                   <a:cs typeface="Calibri"/>
@@ -3450,7 +3454,7 @@
             <a:p>
               <a:pPr algn="l"/>
               <a:r>
-                <a:rPr lang="ko-KR" altLang="en-US" sz="2400" b="1" err="1">
+                <a:rPr lang="ko-KR" altLang="en-US" sz="2400" b="1" dirty="0" err="1">
                   <a:latin typeface="Calibri"/>
                   <a:ea typeface="맑은 고딕"/>
                   <a:cs typeface="Calibri"/>
@@ -3458,7 +3462,7 @@
                 <a:t>E-Mail</a:t>
               </a:r>
               <a:r>
-                <a:rPr lang="ko-KR" altLang="en-US" sz="2400" b="1">
+                <a:rPr lang="ko-KR" altLang="en-US" sz="2400" b="1" dirty="0">
                   <a:latin typeface="Calibri"/>
                   <a:ea typeface="맑은 고딕"/>
                   <a:cs typeface="Calibri"/>
@@ -3501,7 +3505,7 @@
             <a:p>
               <a:pPr algn="l"/>
               <a:r>
-                <a:rPr lang="ko-KR" altLang="en-US" sz="2400" b="1" err="1">
+                <a:rPr lang="ko-KR" altLang="en-US" sz="2400" b="1" dirty="0" err="1">
                   <a:latin typeface="Calibri"/>
                   <a:ea typeface="맑은 고딕"/>
                   <a:cs typeface="Calibri"/>
@@ -3509,7 +3513,7 @@
                 <a:t>Education</a:t>
               </a:r>
               <a:r>
-                <a:rPr lang="ko-KR" altLang="en-US" sz="2400" b="1">
+                <a:rPr lang="ko-KR" altLang="en-US" sz="2400" b="1" dirty="0">
                   <a:latin typeface="Calibri"/>
                   <a:ea typeface="맑은 고딕"/>
                   <a:cs typeface="Calibri"/>
@@ -3534,7 +3538,7 @@
           <p:spPr>
             <a:xfrm>
               <a:off x="5704198" y="1540630"/>
-              <a:ext cx="1256552" cy="461665"/>
+              <a:ext cx="1256552" cy="400110"/>
             </a:xfrm>
             <a:prstGeom prst="rect">
               <a:avLst/>
@@ -3552,14 +3556,14 @@
             <a:p>
               <a:pPr algn="l"/>
               <a:r>
-                <a:rPr lang="ko-KR" altLang="en-US" sz="2400" b="1" err="1">
+                <a:rPr lang="ko-KR" altLang="en-US" sz="2000" b="1" dirty="0" err="1">
                   <a:latin typeface="Calibri"/>
                   <a:ea typeface="맑은 고딕"/>
                   <a:cs typeface="Calibri"/>
                 </a:rPr>
                 <a:t>유승지</a:t>
               </a:r>
-              <a:endParaRPr lang="ko-KR" altLang="en-US" sz="2400" b="1">
+              <a:endParaRPr lang="ko-KR" altLang="en-US" sz="2000" b="1">
                 <a:latin typeface="Calibri"/>
                 <a:ea typeface="맑은 고딕"/>
                 <a:cs typeface="Calibri"/>
@@ -3600,7 +3604,7 @@
             <a:p>
               <a:pPr algn="l"/>
               <a:r>
-                <a:rPr lang="ko-KR" altLang="en-US" sz="2400" b="1">
+                <a:rPr lang="ko-KR" altLang="en-US" sz="2400" b="1" dirty="0">
                   <a:latin typeface="Calibri"/>
                   <a:ea typeface="맑은 고딕"/>
                   <a:cs typeface="Calibri"/>
@@ -3643,7 +3647,7 @@
             <a:p>
               <a:pPr algn="l"/>
               <a:r>
-                <a:rPr lang="ko-KR" altLang="en-US" sz="2400" b="1">
+                <a:rPr lang="ko-KR" altLang="en-US" sz="2400" b="1" dirty="0">
                   <a:latin typeface="Calibri"/>
                   <a:ea typeface="맑은 고딕"/>
                   <a:cs typeface="Calibri"/>
@@ -3668,7 +3672,7 @@
           <p:spPr>
             <a:xfrm>
               <a:off x="5704198" y="4017129"/>
-              <a:ext cx="3426595" cy="461665"/>
+              <a:ext cx="3426595" cy="400110"/>
             </a:xfrm>
             <a:prstGeom prst="rect">
               <a:avLst/>
@@ -3685,7 +3689,7 @@
             <a:lstStyle/>
             <a:p>
               <a:r>
-                <a:rPr lang="ko-KR" altLang="en-US" sz="2400" b="1">
+                <a:rPr lang="ko-KR" altLang="en-US" sz="2000" b="1" dirty="0">
                   <a:latin typeface="Calibri"/>
                   <a:ea typeface="맑은 고딕"/>
                   <a:cs typeface="Calibri"/>
@@ -3800,7 +3804,7 @@
           <a:p>
             <a:pPr algn="l"/>
             <a:r>
-              <a:rPr lang="ko-KR" altLang="en-US" sz="3600" b="1">
+              <a:rPr lang="ko-KR" altLang="en-US" sz="3600" b="1" dirty="0">
                 <a:latin typeface="Calibri"/>
                 <a:ea typeface="맑은 고딕"/>
                 <a:cs typeface="Calibri"/>
@@ -3843,7 +3847,7 @@
           <a:p>
             <a:pPr algn="l"/>
             <a:r>
-              <a:rPr lang="ko-KR" altLang="en-US" sz="2400" b="1">
+              <a:rPr lang="ko-KR" altLang="en-US" sz="2400" b="1" dirty="0">
                 <a:latin typeface="Calibri"/>
                 <a:ea typeface="맑은 고딕"/>
                 <a:cs typeface="Calibri"/>
@@ -4001,7 +4005,7 @@
           <a:lstStyle/>
           <a:p>
             <a:r>
-              <a:rPr lang="ko-KR" altLang="en-US" b="1">
+              <a:rPr lang="ko-KR" altLang="en-US" b="1" dirty="0">
                 <a:latin typeface="Calibri"/>
                 <a:ea typeface="맑은 고딕"/>
                 <a:cs typeface="Calibri"/>
@@ -4043,7 +4047,7 @@
           <a:lstStyle/>
           <a:p>
             <a:r>
-              <a:rPr lang="ko-KR" sz="1900" b="1" err="1">
+              <a:rPr lang="ko-KR" sz="1900" b="1" dirty="0" err="1">
                 <a:latin typeface="Calibri"/>
                 <a:ea typeface="+mn-lt"/>
                 <a:cs typeface="+mn-lt"/>
@@ -4051,7 +4055,7 @@
               <a:t>iPad</a:t>
             </a:r>
             <a:r>
-              <a:rPr lang="ko-KR" sz="1900" b="1">
+              <a:rPr lang="ko-KR" sz="1900" b="1" dirty="0">
                 <a:latin typeface="Calibri"/>
                 <a:ea typeface="+mn-lt"/>
                 <a:cs typeface="+mn-lt"/>
@@ -4059,7 +4063,7 @@
               <a:t> </a:t>
             </a:r>
             <a:r>
-              <a:rPr lang="ko-KR" sz="1900" b="1" err="1">
+              <a:rPr lang="ko-KR" sz="1900" b="1" dirty="0" err="1">
                 <a:latin typeface="Calibri"/>
                 <a:ea typeface="+mn-lt"/>
                 <a:cs typeface="+mn-lt"/>
@@ -4067,13 +4071,18 @@
               <a:t>Pro</a:t>
             </a:r>
             <a:r>
-              <a:rPr lang="ko-KR" sz="1900" b="1">
+              <a:rPr lang="ko-KR" sz="1900" b="1" dirty="0">
                 <a:latin typeface="Calibri"/>
                 <a:ea typeface="+mn-lt"/>
                 <a:cs typeface="+mn-lt"/>
               </a:rPr>
               <a:t> 12.9</a:t>
             </a:r>
+            <a:endParaRPr lang="ko-KR" sz="1900" b="1">
+              <a:latin typeface="Calibri"/>
+              <a:ea typeface="+mn-lt"/>
+              <a:cs typeface="+mn-lt"/>
+            </a:endParaRPr>
           </a:p>
         </p:txBody>
       </p:sp>
@@ -4109,7 +4118,7 @@
           <a:lstStyle/>
           <a:p>
             <a:r>
-              <a:rPr lang="ko-KR" b="1" err="1">
+              <a:rPr lang="ko-KR" b="1" dirty="0" err="1">
                 <a:latin typeface="Calibri"/>
                 <a:ea typeface="+mn-lt"/>
                 <a:cs typeface="+mn-lt"/>
@@ -4117,7 +4126,7 @@
               <a:t>iPhone</a:t>
             </a:r>
             <a:r>
-              <a:rPr lang="ko-KR" b="1">
+              <a:rPr lang="ko-KR" b="1" dirty="0">
                 <a:latin typeface="Calibri"/>
                 <a:ea typeface="+mn-lt"/>
                 <a:cs typeface="+mn-lt"/>
@@ -4125,7 +4134,7 @@
               <a:t> 13 </a:t>
             </a:r>
             <a:r>
-              <a:rPr lang="ko-KR" b="1" err="1">
+              <a:rPr lang="ko-KR" b="1" dirty="0" err="1">
                 <a:latin typeface="Calibri"/>
                 <a:ea typeface="+mn-lt"/>
                 <a:cs typeface="+mn-lt"/>
@@ -4133,7 +4142,7 @@
               <a:t>Pro</a:t>
             </a:r>
             <a:r>
-              <a:rPr lang="ko-KR" b="1">
+              <a:rPr lang="ko-KR" b="1" dirty="0">
                 <a:latin typeface="Calibri"/>
                 <a:ea typeface="+mn-lt"/>
                 <a:cs typeface="+mn-lt"/>
@@ -4141,14 +4150,14 @@
               <a:t> </a:t>
             </a:r>
             <a:r>
-              <a:rPr lang="ko-KR" b="1" err="1">
+              <a:rPr lang="ko-KR" b="1" dirty="0" err="1">
                 <a:latin typeface="Calibri"/>
                 <a:ea typeface="+mn-lt"/>
                 <a:cs typeface="+mn-lt"/>
               </a:rPr>
               <a:t>Max</a:t>
             </a:r>
-            <a:endParaRPr lang="ko-KR" err="1">
+            <a:endParaRPr lang="ko-KR" dirty="0" err="1">
               <a:latin typeface="Calibri"/>
               <a:ea typeface="+mn-lt"/>
               <a:cs typeface="+mn-lt"/>
@@ -4193,9 +4202,9 @@
                 <a:ea typeface="맑은 고딕"/>
                 <a:cs typeface="Calibri"/>
               </a:rPr>
-              <a:t>INTER CORE i7-12700K</a:t>
-            </a:r>
-            <a:endParaRPr lang="ko-KR" altLang="en-US" b="1" dirty="0">
+              <a:t>INTER CORE i9-12900KF</a:t>
+            </a:r>
+            <a:endParaRPr lang="ko-KR" altLang="en-US" b="1">
               <a:latin typeface="Calibri"/>
               <a:cs typeface="Calibri"/>
             </a:endParaRPr>
@@ -4306,7 +4315,7 @@
           <a:p>
             <a:pPr algn="l"/>
             <a:r>
-              <a:rPr lang="ko-KR" altLang="en-US" sz="3600" b="1">
+              <a:rPr lang="ko-KR" altLang="en-US" sz="3600" b="1" dirty="0">
                 <a:latin typeface="Calibri"/>
                 <a:ea typeface="맑은 고딕"/>
                 <a:cs typeface="Calibri"/>
@@ -4349,7 +4358,7 @@
           <a:p>
             <a:pPr algn="l"/>
             <a:r>
-              <a:rPr lang="ko-KR" altLang="en-US" sz="2400" b="1">
+              <a:rPr lang="ko-KR" altLang="en-US" sz="2400" b="1" dirty="0">
                 <a:latin typeface="Calibri"/>
                 <a:ea typeface="맑은 고딕"/>
                 <a:cs typeface="Calibri"/>
@@ -4433,7 +4442,7 @@
         </p:nvSpPr>
         <p:spPr>
           <a:xfrm>
-            <a:off x="4942199" y="2045870"/>
+            <a:off x="4478373" y="2004457"/>
             <a:ext cx="3638532" cy="584775"/>
           </a:xfrm>
           <a:prstGeom prst="rect">
@@ -4451,7 +4460,7 @@
           <a:lstStyle/>
           <a:p>
             <a:r>
-              <a:rPr lang="ko-KR" altLang="en-US" sz="3200" b="1">
+              <a:rPr lang="ko-KR" altLang="en-US" sz="3200" b="1" dirty="0">
                 <a:latin typeface="Calibri"/>
                 <a:ea typeface="맑은 고딕"/>
                 <a:cs typeface="Calibri"/>
@@ -4475,7 +4484,7 @@
         </p:nvSpPr>
         <p:spPr>
           <a:xfrm>
-            <a:off x="4942199" y="3013536"/>
+            <a:off x="4478373" y="2972123"/>
             <a:ext cx="3058420" cy="584775"/>
           </a:xfrm>
           <a:prstGeom prst="rect">
@@ -4493,7 +4502,7 @@
           <a:lstStyle/>
           <a:p>
             <a:r>
-              <a:rPr lang="ko-KR" altLang="en-US" sz="3200" b="1">
+              <a:rPr lang="ko-KR" altLang="en-US" sz="3200" b="1" dirty="0">
                 <a:latin typeface="Calibri"/>
                 <a:ea typeface="맑은 고딕"/>
                 <a:cs typeface="Calibri"/>
@@ -4517,7 +4526,7 @@
         </p:nvSpPr>
         <p:spPr>
           <a:xfrm>
-            <a:off x="4942199" y="3981202"/>
+            <a:off x="4478373" y="3939789"/>
             <a:ext cx="6478493" cy="584775"/>
           </a:xfrm>
           <a:prstGeom prst="rect">
@@ -4535,41 +4544,41 @@
           <a:lstStyle/>
           <a:p>
             <a:r>
-              <a:rPr lang="ko-KR" sz="3200" b="1" err="1">
+              <a:rPr lang="ko-KR" sz="3200" b="1" dirty="0" err="1">
                 <a:ea typeface="+mn-lt"/>
                 <a:cs typeface="+mn-lt"/>
               </a:rPr>
               <a:t>Sajik</a:t>
             </a:r>
             <a:r>
-              <a:rPr lang="ko-KR" sz="3200" b="1">
+              <a:rPr lang="ko-KR" sz="3200" b="1" dirty="0">
                 <a:ea typeface="+mn-lt"/>
                 <a:cs typeface="+mn-lt"/>
               </a:rPr>
               <a:t> </a:t>
             </a:r>
             <a:r>
-              <a:rPr lang="ko-KR" sz="3200" b="1" err="1">
+              <a:rPr lang="ko-KR" sz="3200" b="1" dirty="0" err="1">
                 <a:ea typeface="+mn-lt"/>
                 <a:cs typeface="+mn-lt"/>
               </a:rPr>
               <a:t>Baseball</a:t>
             </a:r>
             <a:r>
-              <a:rPr lang="ko-KR" sz="3200" b="1">
+              <a:rPr lang="ko-KR" sz="3200" b="1" dirty="0">
                 <a:ea typeface="+mn-lt"/>
                 <a:cs typeface="+mn-lt"/>
               </a:rPr>
               <a:t> </a:t>
             </a:r>
             <a:r>
-              <a:rPr lang="ko-KR" sz="3200" b="1" err="1">
+              <a:rPr lang="ko-KR" sz="3200" b="1" dirty="0" err="1">
                 <a:ea typeface="+mn-lt"/>
                 <a:cs typeface="+mn-lt"/>
               </a:rPr>
               <a:t>Stadium</a:t>
             </a:r>
-            <a:endParaRPr lang="ko-KR" sz="3200" err="1"/>
+            <a:endParaRPr lang="ko-KR" sz="3200" dirty="0" err="1"/>
           </a:p>
         </p:txBody>
       </p:sp>
@@ -4587,7 +4596,7 @@
         </p:nvSpPr>
         <p:spPr>
           <a:xfrm>
-            <a:off x="4942199" y="4940585"/>
+            <a:off x="4478373" y="4899172"/>
             <a:ext cx="4749328" cy="584775"/>
           </a:xfrm>
           <a:prstGeom prst="rect">
@@ -4605,7 +4614,7 @@
           <a:lstStyle/>
           <a:p>
             <a:r>
-              <a:rPr lang="ko-KR" altLang="en-US" sz="3200" b="1">
+              <a:rPr lang="ko-KR" altLang="en-US" sz="3200" b="1" dirty="0">
                 <a:latin typeface="Calibri"/>
                 <a:ea typeface="맑은 고딕"/>
                 <a:cs typeface="Calibri"/>
@@ -4719,7 +4728,7 @@
           <a:p>
             <a:pPr algn="l"/>
             <a:r>
-              <a:rPr lang="ko-KR" altLang="en-US" sz="3600" b="1">
+              <a:rPr lang="ko-KR" altLang="en-US" sz="3600" b="1" dirty="0">
                 <a:latin typeface="Calibri"/>
                 <a:ea typeface="맑은 고딕"/>
                 <a:cs typeface="Calibri"/>
@@ -4762,7 +4771,7 @@
           <a:p>
             <a:pPr algn="r"/>
             <a:r>
-              <a:rPr lang="ko-KR" sz="2400" b="1" err="1">
+              <a:rPr lang="ko-KR" sz="2400" b="1" dirty="0" err="1">
                 <a:latin typeface="Calibri"/>
                 <a:ea typeface="+mn-lt"/>
                 <a:cs typeface="+mn-lt"/>
@@ -4770,7 +4779,7 @@
               <a:t>What</a:t>
             </a:r>
             <a:r>
-              <a:rPr lang="ko-KR" altLang="en-US" sz="2400" b="1">
+              <a:rPr lang="ko-KR" altLang="en-US" sz="2400" b="1" dirty="0">
                 <a:latin typeface="Calibri"/>
                 <a:ea typeface="+mn-lt"/>
                 <a:cs typeface="+mn-lt"/>
@@ -4778,7 +4787,7 @@
               <a:t> </a:t>
             </a:r>
             <a:r>
-              <a:rPr lang="ko-KR" altLang="en-US" sz="2400" b="1" err="1">
+              <a:rPr lang="ko-KR" altLang="en-US" sz="2400" b="1" dirty="0" err="1">
                 <a:latin typeface="Calibri"/>
                 <a:ea typeface="+mn-lt"/>
                 <a:cs typeface="+mn-lt"/>
@@ -4786,7 +4795,7 @@
               <a:t>I</a:t>
             </a:r>
             <a:r>
-              <a:rPr lang="ko-KR" altLang="en-US" sz="2400" b="1">
+              <a:rPr lang="ko-KR" altLang="en-US" sz="2400" b="1" dirty="0">
                 <a:latin typeface="Calibri"/>
                 <a:ea typeface="+mn-lt"/>
                 <a:cs typeface="+mn-lt"/>
@@ -4794,7 +4803,7 @@
               <a:t> </a:t>
             </a:r>
             <a:r>
-              <a:rPr lang="ko-KR" sz="2400" b="1" err="1">
+              <a:rPr lang="ko-KR" sz="2400" b="1" dirty="0" err="1">
                 <a:latin typeface="Calibri"/>
                 <a:ea typeface="+mn-lt"/>
                 <a:cs typeface="+mn-lt"/>
@@ -4802,7 +4811,7 @@
               <a:t>want</a:t>
             </a:r>
             <a:r>
-              <a:rPr lang="ko-KR" sz="2400" b="1">
+              <a:rPr lang="ko-KR" sz="2400" b="1" dirty="0">
                 <a:latin typeface="Calibri"/>
                 <a:ea typeface="+mn-lt"/>
                 <a:cs typeface="+mn-lt"/>
@@ -4810,7 +4819,7 @@
               <a:t> </a:t>
             </a:r>
             <a:r>
-              <a:rPr lang="ko-KR" sz="2400" b="1" err="1">
+              <a:rPr lang="ko-KR" sz="2400" b="1" dirty="0" err="1">
                 <a:latin typeface="Calibri"/>
                 <a:ea typeface="+mn-lt"/>
                 <a:cs typeface="+mn-lt"/>
@@ -4818,7 +4827,7 @@
               <a:t>to</a:t>
             </a:r>
             <a:r>
-              <a:rPr lang="ko-KR" sz="2400" b="1">
+              <a:rPr lang="ko-KR" sz="2400" b="1" dirty="0">
                 <a:latin typeface="Calibri"/>
                 <a:ea typeface="+mn-lt"/>
                 <a:cs typeface="+mn-lt"/>
@@ -4826,7 +4835,7 @@
               <a:t> </a:t>
             </a:r>
             <a:r>
-              <a:rPr lang="ko-KR" sz="2400" b="1" err="1">
+              <a:rPr lang="ko-KR" sz="2400" b="1" dirty="0" err="1">
                 <a:latin typeface="Calibri"/>
                 <a:ea typeface="+mn-lt"/>
                 <a:cs typeface="+mn-lt"/>
@@ -4834,7 +4843,7 @@
               <a:t>achieve</a:t>
             </a:r>
             <a:r>
-              <a:rPr lang="ko-KR" sz="2400" b="1">
+              <a:rPr lang="ko-KR" sz="2400" b="1" dirty="0">
                 <a:latin typeface="Calibri"/>
                 <a:ea typeface="+mn-lt"/>
                 <a:cs typeface="+mn-lt"/>
@@ -4842,7 +4851,7 @@
               <a:t> </a:t>
             </a:r>
             <a:r>
-              <a:rPr lang="ko-KR" sz="2400" b="1" err="1">
+              <a:rPr lang="ko-KR" sz="2400" b="1" dirty="0" err="1">
                 <a:latin typeface="Calibri"/>
                 <a:ea typeface="+mn-lt"/>
                 <a:cs typeface="+mn-lt"/>
@@ -4850,7 +4859,7 @@
               <a:t>through</a:t>
             </a:r>
             <a:r>
-              <a:rPr lang="ko-KR" sz="2400" b="1">
+              <a:rPr lang="ko-KR" sz="2400" b="1" dirty="0">
                 <a:latin typeface="Calibri"/>
                 <a:ea typeface="+mn-lt"/>
                 <a:cs typeface="+mn-lt"/>
@@ -4858,7 +4867,7 @@
               <a:t> </a:t>
             </a:r>
             <a:r>
-              <a:rPr lang="ko-KR" sz="2400" b="1" err="1">
+              <a:rPr lang="ko-KR" sz="2400" b="1" dirty="0" err="1">
                 <a:latin typeface="Calibri"/>
                 <a:ea typeface="+mn-lt"/>
                 <a:cs typeface="+mn-lt"/>
@@ -4866,7 +4875,7 @@
               <a:t>the</a:t>
             </a:r>
             <a:r>
-              <a:rPr lang="ko-KR" sz="2400" b="1">
+              <a:rPr lang="ko-KR" sz="2400" b="1" dirty="0">
                 <a:latin typeface="Calibri"/>
                 <a:ea typeface="+mn-lt"/>
                 <a:cs typeface="+mn-lt"/>
@@ -4874,7 +4883,7 @@
               <a:t> </a:t>
             </a:r>
             <a:r>
-              <a:rPr lang="ko-KR" sz="2400" b="1" err="1">
+              <a:rPr lang="ko-KR" sz="2400" b="1" dirty="0" err="1">
                 <a:latin typeface="Calibri"/>
                 <a:ea typeface="+mn-lt"/>
                 <a:cs typeface="+mn-lt"/>
@@ -5008,7 +5017,7 @@
           <a:p>
             <a:pPr algn="l"/>
             <a:r>
-              <a:rPr lang="ko-KR" altLang="en-US" sz="2400" b="1">
+              <a:rPr lang="ko-KR" altLang="en-US" sz="2400" b="1" dirty="0">
                 <a:latin typeface="Calibri"/>
                 <a:ea typeface="맑은 고딕"/>
                 <a:cs typeface="Calibri"/>
@@ -5054,7 +5063,7 @@
           <a:lstStyle/>
           <a:p>
             <a:r>
-              <a:rPr lang="en-US" altLang="ko-KR" sz="2400" b="1">
+              <a:rPr lang="en-US" altLang="ko-KR" sz="2400" b="1" dirty="0">
                 <a:latin typeface="Calibri"/>
                 <a:ea typeface="맑은 고딕"/>
                 <a:cs typeface="Calibri"/>
@@ -5096,7 +5105,7 @@
           <a:lstStyle/>
           <a:p>
             <a:r>
-              <a:rPr lang="en-US" altLang="ko-KR" sz="2400" b="1">
+              <a:rPr lang="en-US" altLang="ko-KR" sz="2400" b="1" dirty="0">
                 <a:latin typeface="Calibri"/>
                 <a:ea typeface="맑은 고딕"/>
                 <a:cs typeface="Calibri"/>
@@ -5210,7 +5219,7 @@
           <a:p>
             <a:pPr algn="l"/>
             <a:r>
-              <a:rPr lang="ko-KR" altLang="en-US" sz="3600" b="1">
+              <a:rPr lang="ko-KR" altLang="en-US" sz="3600" b="1" dirty="0">
                 <a:latin typeface="Calibri"/>
                 <a:ea typeface="맑은 고딕"/>
                 <a:cs typeface="Calibri"/>
@@ -5253,7 +5262,7 @@
           <a:p>
             <a:pPr algn="l"/>
             <a:r>
-              <a:rPr lang="ko-KR" altLang="en-US" sz="2400" b="1">
+              <a:rPr lang="ko-KR" altLang="en-US" sz="2400" b="1" dirty="0">
                 <a:latin typeface="Calibri"/>
                 <a:ea typeface="맑은 고딕"/>
                 <a:cs typeface="Calibri"/>
@@ -5277,7 +5286,7 @@
         </p:nvSpPr>
         <p:spPr>
           <a:xfrm>
-            <a:off x="4791228" y="2782792"/>
+            <a:off x="4871910" y="2971051"/>
             <a:ext cx="3610282" cy="923330"/>
           </a:xfrm>
           <a:prstGeom prst="rect">
@@ -5296,7 +5305,7 @@
           <a:p>
             <a:pPr algn="l"/>
             <a:r>
-              <a:rPr lang="ko-KR" altLang="en-US" sz="5400" b="1">
+              <a:rPr lang="ko-KR" altLang="en-US" sz="5400" b="1" dirty="0">
                 <a:solidFill>
                   <a:srgbClr val="666666"/>
                 </a:solidFill>
@@ -5306,7 +5315,7 @@
               </a:rPr>
               <a:t>積小成大</a:t>
             </a:r>
-            <a:endParaRPr lang="ko-KR" altLang="en-US" sz="5400" b="1">
+            <a:endParaRPr lang="ko-KR" altLang="en-US" sz="5400" b="1" dirty="0">
               <a:latin typeface="Malgun Gothic"/>
               <a:ea typeface="Malgun Gothic"/>
             </a:endParaRPr>
@@ -5345,7 +5354,7 @@
           <a:lstStyle/>
           <a:p>
             <a:r>
-              <a:rPr lang="ko-KR" altLang="en-US" sz="3600" b="1">
+              <a:rPr lang="ko-KR" altLang="en-US" sz="3600" b="1" dirty="0">
                 <a:latin typeface="Malgun Gothic"/>
                 <a:ea typeface="Malgun Gothic"/>
               </a:rPr>
@@ -5386,7 +5395,7 @@
           <a:lstStyle/>
           <a:p>
             <a:r>
-              <a:rPr lang="ko-KR" sz="2800" b="1">
+              <a:rPr lang="ko-KR" sz="2800" b="1" dirty="0">
                 <a:latin typeface="Malgun Gothic"/>
                 <a:ea typeface="Malgun Gothic"/>
                 <a:cs typeface="+mn-lt"/>
@@ -5394,7 +5403,7 @@
               <a:t>작거나 적은 것도 쌓이면</a:t>
             </a:r>
             <a:r>
-              <a:rPr lang="ko-KR" altLang="en-US" sz="2800" b="1">
+              <a:rPr lang="ko-KR" altLang="en-US" sz="2800" b="1" dirty="0">
                 <a:latin typeface="Malgun Gothic"/>
                 <a:ea typeface="Malgun Gothic"/>
                 <a:cs typeface="+mn-lt"/>
@@ -5402,7 +5411,7 @@
               <a:t> </a:t>
             </a:r>
             <a:r>
-              <a:rPr lang="ko-KR" sz="2800" b="1">
+              <a:rPr lang="ko-KR" sz="2800" b="1" dirty="0">
                 <a:latin typeface="Malgun Gothic"/>
                 <a:ea typeface="Malgun Gothic"/>
                 <a:cs typeface="+mn-lt"/>
@@ -5410,7 +5419,7 @@
               <a:t>크게 되거나 </a:t>
             </a:r>
             <a:r>
-              <a:rPr lang="ko-KR" sz="2800" b="1" err="1">
+              <a:rPr lang="ko-KR" sz="2800" b="1" dirty="0" err="1">
                 <a:latin typeface="Malgun Gothic"/>
                 <a:ea typeface="Malgun Gothic"/>
                 <a:cs typeface="+mn-lt"/>
@@ -5418,7 +5427,7 @@
               <a:t>많아짐</a:t>
             </a:r>
             <a:r>
-              <a:rPr lang="en-US" altLang="ko-KR" sz="2800" b="1">
+              <a:rPr lang="en-US" altLang="ko-KR" sz="2800" b="1" dirty="0">
                 <a:latin typeface="Malgun Gothic"/>
                 <a:ea typeface="+mn-lt"/>
                 <a:cs typeface="+mn-lt"/>
